--- a/vue/vuedemo/Vue学习.pptx
+++ b/vue/vuedemo/Vue学习.pptx
@@ -15,8 +15,10 @@
     <p:sldId id="263" r:id="rId10"/>
     <p:sldId id="266" r:id="rId11"/>
     <p:sldId id="264" r:id="rId12"/>
-    <p:sldId id="265" r:id="rId13"/>
-    <p:sldId id="267" r:id="rId14"/>
+    <p:sldId id="272" r:id="rId13"/>
+    <p:sldId id="271" r:id="rId14"/>
+    <p:sldId id="265" r:id="rId15"/>
+    <p:sldId id="267" r:id="rId16"/>
   </p:sldIdLst>
   <p:sldSz cx="12192000" cy="6858000"/>
   <p:notesSz cx="7103745" cy="10234295"/>
@@ -2761,6 +2763,116 @@
           <a:p>
             <a:r>
               <a:rPr lang="zh-CN" altLang="en-US"/>
+              <a:t>生命周期</a:t>
+            </a:r>
+            <a:endParaRPr lang="zh-CN" altLang="en-US"/>
+          </a:p>
+        </p:txBody>
+      </p:sp>
+      <p:sp>
+        <p:nvSpPr>
+          <p:cNvPr id="3" name="内容占位符 2"/>
+          <p:cNvSpPr>
+            <a:spLocks noGrp="1"/>
+          </p:cNvSpPr>
+          <p:nvPr>
+            <p:ph idx="1"/>
+          </p:nvPr>
+        </p:nvSpPr>
+        <p:spPr/>
+        <p:txBody>
+          <a:bodyPr/>
+          <a:p>
+            <a:r>
+              <a:rPr lang="en-US" altLang="zh-CN"/>
+              <a:t>vue </a:t>
+            </a:r>
+            <a:r>
+              <a:rPr lang="zh-CN" altLang="en-US"/>
+              <a:t>实例生命周期的 钩子函数</a:t>
+            </a:r>
+            <a:endParaRPr lang="zh-CN" altLang="en-US"/>
+          </a:p>
+        </p:txBody>
+      </p:sp>
+    </p:spTree>
+  </p:cSld>
+  <p:clrMapOvr>
+    <a:masterClrMapping/>
+  </p:clrMapOvr>
+</p:sld>
+</file>
+
+<file path=ppt/slides/slide12.xml><?xml version="1.0" encoding="utf-8"?>
+<p:sld xmlns:a="http://schemas.openxmlformats.org/drawingml/2006/main" xmlns:r="http://schemas.openxmlformats.org/officeDocument/2006/relationships" xmlns:p="http://schemas.openxmlformats.org/presentationml/2006/main">
+  <p:cSld>
+    <p:spTree>
+      <p:nvGrpSpPr>
+        <p:cNvPr id="1" name=""/>
+        <p:cNvGrpSpPr/>
+        <p:nvPr/>
+      </p:nvGrpSpPr>
+      <p:grpSpPr/>
+      <p:pic>
+        <p:nvPicPr>
+          <p:cNvPr id="4" name="内容占位符 3"/>
+          <p:cNvPicPr>
+            <a:picLocks noChangeAspect="1"/>
+          </p:cNvPicPr>
+          <p:nvPr>
+            <p:ph idx="1"/>
+          </p:nvPr>
+        </p:nvPicPr>
+        <p:blipFill>
+          <a:blip r:embed="rId1"/>
+          <a:stretch>
+            <a:fillRect/>
+          </a:stretch>
+        </p:blipFill>
+        <p:spPr>
+          <a:xfrm>
+            <a:off x="532130" y="332740"/>
+            <a:ext cx="11090275" cy="5844540"/>
+          </a:xfrm>
+          <a:prstGeom prst="rect">
+            <a:avLst/>
+          </a:prstGeom>
+        </p:spPr>
+      </p:pic>
+    </p:spTree>
+  </p:cSld>
+  <p:clrMapOvr>
+    <a:masterClrMapping/>
+  </p:clrMapOvr>
+</p:sld>
+</file>
+
+<file path=ppt/slides/slide13.xml><?xml version="1.0" encoding="utf-8"?>
+<p:sld xmlns:a="http://schemas.openxmlformats.org/drawingml/2006/main" xmlns:r="http://schemas.openxmlformats.org/officeDocument/2006/relationships" xmlns:p="http://schemas.openxmlformats.org/presentationml/2006/main">
+  <p:cSld>
+    <p:spTree>
+      <p:nvGrpSpPr>
+        <p:cNvPr id="1" name=""/>
+        <p:cNvGrpSpPr/>
+        <p:nvPr/>
+      </p:nvGrpSpPr>
+      <p:grpSpPr/>
+      <p:sp>
+        <p:nvSpPr>
+          <p:cNvPr id="2" name="标题 1"/>
+          <p:cNvSpPr>
+            <a:spLocks noGrp="1"/>
+          </p:cNvSpPr>
+          <p:nvPr>
+            <p:ph type="title"/>
+          </p:nvPr>
+        </p:nvSpPr>
+        <p:spPr/>
+        <p:txBody>
+          <a:bodyPr/>
+          <a:p>
+            <a:r>
+              <a:rPr lang="zh-CN" altLang="en-US"/>
               <a:t>组件化</a:t>
             </a:r>
             <a:endParaRPr lang="zh-CN" altLang="en-US"/>
@@ -2834,7 +2946,7 @@
 </p:sld>
 </file>
 
-<file path=ppt/slides/slide12.xml><?xml version="1.0" encoding="utf-8"?>
+<file path=ppt/slides/slide14.xml><?xml version="1.0" encoding="utf-8"?>
 <p:sld xmlns:a="http://schemas.openxmlformats.org/drawingml/2006/main" xmlns:r="http://schemas.openxmlformats.org/officeDocument/2006/relationships" xmlns:p="http://schemas.openxmlformats.org/presentationml/2006/main">
   <p:cSld>
     <p:spTree>
@@ -2967,7 +3079,11 @@
             </a:r>
             <a:r>
               <a:rPr lang="zh-CN" altLang="en-US"/>
-              <a:t>想 </a:t>
+              <a:t>到</a:t>
+            </a:r>
+            <a:r>
+              <a:rPr lang="zh-CN" altLang="en-US"/>
+              <a:t> </a:t>
             </a:r>
             <a:r>
               <a:rPr lang="en-US" altLang="zh-CN"/>
@@ -3193,40 +3309,25 @@
           <a:p>
             <a:r>
               <a:rPr lang="zh-CN" altLang="en-US"/>
-              <a:t>数据绑定语法</a:t>
-            </a:r>
-            <a:endParaRPr lang="zh-CN" altLang="en-US"/>
-          </a:p>
-          <a:p>
-            <a:r>
-              <a:rPr lang="zh-CN" altLang="en-US"/>
-              <a:t>计算属性</a:t>
-            </a:r>
-            <a:endParaRPr lang="zh-CN" altLang="en-US"/>
-          </a:p>
-          <a:p>
-            <a:r>
-              <a:rPr lang="en-US" altLang="zh-CN"/>
-              <a:t>class style </a:t>
-            </a:r>
-            <a:r>
-              <a:rPr lang="zh-CN" altLang="en-US"/>
-              <a:t>绑定</a:t>
-            </a:r>
-            <a:endParaRPr lang="zh-CN" altLang="en-US"/>
-          </a:p>
-          <a:p>
-            <a:r>
-              <a:rPr lang="zh-CN" altLang="en-US"/>
-              <a:t>条件渲染</a:t>
-            </a:r>
-            <a:endParaRPr lang="zh-CN" altLang="en-US"/>
-          </a:p>
-          <a:p>
-            <a:r>
-              <a:rPr lang="zh-CN" altLang="en-US"/>
-              <a:t>列表渲染</a:t>
-            </a:r>
+              <a:t>生命周期</a:t>
+            </a:r>
+            <a:endParaRPr lang="zh-CN" altLang="en-US"/>
+          </a:p>
+          <a:p>
+            <a:r>
+              <a:rPr lang="zh-CN" altLang="en-US"/>
+              <a:t>指令 筛选 混合</a:t>
+            </a:r>
+            <a:endParaRPr lang="zh-CN" altLang="en-US"/>
+          </a:p>
+          <a:p>
+            <a:r>
+              <a:rPr lang="zh-CN" altLang="en-US"/>
+              <a:t>组件化开发</a:t>
+            </a:r>
+            <a:endParaRPr lang="zh-CN" altLang="en-US"/>
+          </a:p>
+          <a:p>
             <a:endParaRPr lang="zh-CN" altLang="en-US"/>
           </a:p>
         </p:txBody>
